--- a/docs/assets/REsize.pptx
+++ b/docs/assets/REsize.pptx
@@ -6,6 +6,9 @@
   </p:sldMasterIdLst>
   <p:sldIdLst>
     <p:sldId id="256" r:id="rId2"/>
+    <p:sldId id="257" r:id="rId3"/>
+    <p:sldId id="258" r:id="rId4"/>
+    <p:sldId id="259" r:id="rId5"/>
   </p:sldIdLst>
   <p:sldSz cx="12192000" cy="6858000"/>
   <p:notesSz cx="6858000" cy="9144000"/>
@@ -2890,10 +2893,10 @@
       </p:grpSpPr>
       <p:pic>
         <p:nvPicPr>
-          <p:cNvPr id="18" name="图片 17">
+          <p:cNvPr id="5" name="图片 4">
             <a:extLst>
               <a:ext uri="{FF2B5EF4-FFF2-40B4-BE49-F238E27FC236}">
-                <a16:creationId xmlns:a16="http://schemas.microsoft.com/office/drawing/2014/main" id="{85906563-9806-421C-8F43-FDD37B3AF7F4}"/>
+                <a16:creationId xmlns:a16="http://schemas.microsoft.com/office/drawing/2014/main" id="{F92F1E3F-6939-4B4C-B695-8205F2E58753}"/>
               </a:ext>
             </a:extLst>
           </p:cNvPr>
@@ -2902,22 +2905,21 @@
           </p:cNvPicPr>
           <p:nvPr/>
         </p:nvPicPr>
-        <p:blipFill>
-          <a:blip r:embed="rId2" cstate="print">
+        <p:blipFill rotWithShape="1">
+          <a:blip r:embed="rId2">
             <a:extLst>
               <a:ext uri="{28A0092B-C50C-407E-A947-70E740481C1C}">
                 <a14:useLocalDpi xmlns:a14="http://schemas.microsoft.com/office/drawing/2010/main" val="0"/>
               </a:ext>
             </a:extLst>
           </a:blip>
-          <a:stretch>
-            <a:fillRect/>
-          </a:stretch>
+          <a:srcRect t="10258" b="5368"/>
+          <a:stretch/>
         </p:blipFill>
         <p:spPr>
           <a:xfrm>
-            <a:off x="114299" y="1493044"/>
-            <a:ext cx="4841875" cy="3631406"/>
+            <a:off x="853444" y="451964"/>
+            <a:ext cx="10286992" cy="5786433"/>
           </a:xfrm>
           <a:prstGeom prst="rect">
             <a:avLst/>
@@ -2928,6 +2930,201 @@
     <p:extLst>
       <p:ext uri="{BB962C8B-B14F-4D97-AF65-F5344CB8AC3E}">
         <p14:creationId xmlns:p14="http://schemas.microsoft.com/office/powerpoint/2010/main" val="3116145807"/>
+      </p:ext>
+    </p:extLst>
+  </p:cSld>
+  <p:clrMapOvr>
+    <a:masterClrMapping/>
+  </p:clrMapOvr>
+</p:sld>
+</file>
+
+<file path=ppt/slides/slide2.xml><?xml version="1.0" encoding="utf-8"?>
+<p:sld xmlns:a="http://schemas.openxmlformats.org/drawingml/2006/main" xmlns:r="http://schemas.openxmlformats.org/officeDocument/2006/relationships" xmlns:p="http://schemas.openxmlformats.org/presentationml/2006/main">
+  <p:cSld>
+    <p:spTree>
+      <p:nvGrpSpPr>
+        <p:cNvPr id="1" name=""/>
+        <p:cNvGrpSpPr/>
+        <p:nvPr/>
+      </p:nvGrpSpPr>
+      <p:grpSpPr>
+        <a:xfrm>
+          <a:off x="0" y="0"/>
+          <a:ext cx="0" cy="0"/>
+          <a:chOff x="0" y="0"/>
+          <a:chExt cx="0" cy="0"/>
+        </a:xfrm>
+      </p:grpSpPr>
+      <p:pic>
+        <p:nvPicPr>
+          <p:cNvPr id="3" name="图片 2">
+            <a:extLst>
+              <a:ext uri="{FF2B5EF4-FFF2-40B4-BE49-F238E27FC236}">
+                <a16:creationId xmlns:a16="http://schemas.microsoft.com/office/drawing/2014/main" id="{A1CDB03A-BC03-44F6-971B-77A9DCE76B4E}"/>
+              </a:ext>
+            </a:extLst>
+          </p:cNvPr>
+          <p:cNvPicPr>
+            <a:picLocks noChangeAspect="1"/>
+          </p:cNvPicPr>
+          <p:nvPr/>
+        </p:nvPicPr>
+        <p:blipFill rotWithShape="1">
+          <a:blip r:embed="rId2">
+            <a:extLst>
+              <a:ext uri="{28A0092B-C50C-407E-A947-70E740481C1C}">
+                <a14:useLocalDpi xmlns:a14="http://schemas.microsoft.com/office/drawing/2010/main" val="0"/>
+              </a:ext>
+            </a:extLst>
+          </a:blip>
+          <a:srcRect t="34" b="34"/>
+          <a:stretch/>
+        </p:blipFill>
+        <p:spPr>
+          <a:xfrm>
+            <a:off x="4168" y="2345"/>
+            <a:ext cx="12183664" cy="6853311"/>
+          </a:xfrm>
+          <a:prstGeom prst="rect">
+            <a:avLst/>
+          </a:prstGeom>
+        </p:spPr>
+      </p:pic>
+    </p:spTree>
+    <p:extLst>
+      <p:ext uri="{BB962C8B-B14F-4D97-AF65-F5344CB8AC3E}">
+        <p14:creationId xmlns:p14="http://schemas.microsoft.com/office/powerpoint/2010/main" val="3825159275"/>
+      </p:ext>
+    </p:extLst>
+  </p:cSld>
+  <p:clrMapOvr>
+    <a:masterClrMapping/>
+  </p:clrMapOvr>
+</p:sld>
+</file>
+
+<file path=ppt/slides/slide3.xml><?xml version="1.0" encoding="utf-8"?>
+<p:sld xmlns:a="http://schemas.openxmlformats.org/drawingml/2006/main" xmlns:r="http://schemas.openxmlformats.org/officeDocument/2006/relationships" xmlns:p="http://schemas.openxmlformats.org/presentationml/2006/main">
+  <p:cSld>
+    <p:spTree>
+      <p:nvGrpSpPr>
+        <p:cNvPr id="1" name=""/>
+        <p:cNvGrpSpPr/>
+        <p:nvPr/>
+      </p:nvGrpSpPr>
+      <p:grpSpPr>
+        <a:xfrm>
+          <a:off x="0" y="0"/>
+          <a:ext cx="0" cy="0"/>
+          <a:chOff x="0" y="0"/>
+          <a:chExt cx="0" cy="0"/>
+        </a:xfrm>
+      </p:grpSpPr>
+      <p:pic>
+        <p:nvPicPr>
+          <p:cNvPr id="4" name="图片 3">
+            <a:extLst>
+              <a:ext uri="{FF2B5EF4-FFF2-40B4-BE49-F238E27FC236}">
+                <a16:creationId xmlns:a16="http://schemas.microsoft.com/office/drawing/2014/main" id="{1F27F8B1-6A63-4A0C-9BFF-229B5D5EAD85}"/>
+              </a:ext>
+            </a:extLst>
+          </p:cNvPr>
+          <p:cNvPicPr>
+            <a:picLocks noChangeAspect="1"/>
+          </p:cNvPicPr>
+          <p:nvPr/>
+        </p:nvPicPr>
+        <p:blipFill rotWithShape="1">
+          <a:blip r:embed="rId2">
+            <a:extLst>
+              <a:ext uri="{28A0092B-C50C-407E-A947-70E740481C1C}">
+                <a14:useLocalDpi xmlns:a14="http://schemas.microsoft.com/office/drawing/2010/main" val="0"/>
+              </a:ext>
+            </a:extLst>
+          </a:blip>
+          <a:srcRect t="14258" b="1369"/>
+          <a:stretch/>
+        </p:blipFill>
+        <p:spPr>
+          <a:xfrm>
+            <a:off x="952504" y="535784"/>
+            <a:ext cx="10286992" cy="5786433"/>
+          </a:xfrm>
+          <a:prstGeom prst="rect">
+            <a:avLst/>
+          </a:prstGeom>
+        </p:spPr>
+      </p:pic>
+    </p:spTree>
+    <p:extLst>
+      <p:ext uri="{BB962C8B-B14F-4D97-AF65-F5344CB8AC3E}">
+        <p14:creationId xmlns:p14="http://schemas.microsoft.com/office/powerpoint/2010/main" val="3588249351"/>
+      </p:ext>
+    </p:extLst>
+  </p:cSld>
+  <p:clrMapOvr>
+    <a:masterClrMapping/>
+  </p:clrMapOvr>
+</p:sld>
+</file>
+
+<file path=ppt/slides/slide4.xml><?xml version="1.0" encoding="utf-8"?>
+<p:sld xmlns:a="http://schemas.openxmlformats.org/drawingml/2006/main" xmlns:r="http://schemas.openxmlformats.org/officeDocument/2006/relationships" xmlns:p="http://schemas.openxmlformats.org/presentationml/2006/main">
+  <p:cSld>
+    <p:spTree>
+      <p:nvGrpSpPr>
+        <p:cNvPr id="1" name=""/>
+        <p:cNvGrpSpPr/>
+        <p:nvPr/>
+      </p:nvGrpSpPr>
+      <p:grpSpPr>
+        <a:xfrm>
+          <a:off x="0" y="0"/>
+          <a:ext cx="0" cy="0"/>
+          <a:chOff x="0" y="0"/>
+          <a:chExt cx="0" cy="0"/>
+        </a:xfrm>
+      </p:grpSpPr>
+      <p:pic>
+        <p:nvPicPr>
+          <p:cNvPr id="5" name="图片 4">
+            <a:extLst>
+              <a:ext uri="{FF2B5EF4-FFF2-40B4-BE49-F238E27FC236}">
+                <a16:creationId xmlns:a16="http://schemas.microsoft.com/office/drawing/2014/main" id="{D6DBA545-872B-490F-855C-29338EFE4B2E}"/>
+              </a:ext>
+            </a:extLst>
+          </p:cNvPr>
+          <p:cNvPicPr>
+            <a:picLocks noChangeAspect="1"/>
+          </p:cNvPicPr>
+          <p:nvPr/>
+        </p:nvPicPr>
+        <p:blipFill rotWithShape="1">
+          <a:blip r:embed="rId2">
+            <a:extLst>
+              <a:ext uri="{28A0092B-C50C-407E-A947-70E740481C1C}">
+                <a14:useLocalDpi xmlns:a14="http://schemas.microsoft.com/office/drawing/2010/main" val="0"/>
+              </a:ext>
+            </a:extLst>
+          </a:blip>
+          <a:srcRect t="15563" b="8"/>
+          <a:stretch/>
+        </p:blipFill>
+        <p:spPr>
+          <a:xfrm>
+            <a:off x="949328" y="533997"/>
+            <a:ext cx="10293344" cy="5790006"/>
+          </a:xfrm>
+          <a:prstGeom prst="rect">
+            <a:avLst/>
+          </a:prstGeom>
+        </p:spPr>
+      </p:pic>
+    </p:spTree>
+    <p:extLst>
+      <p:ext uri="{BB962C8B-B14F-4D97-AF65-F5344CB8AC3E}">
+        <p14:creationId xmlns:p14="http://schemas.microsoft.com/office/powerpoint/2010/main" val="3861807876"/>
       </p:ext>
     </p:extLst>
   </p:cSld>
